--- a/Kamballapalli_SunburstChart.pptx
+++ b/Kamballapalli_SunburstChart.pptx
@@ -642,7 +642,7 @@
           <a:p>
             <a:fld id="{771BCCD4-AC94-426B-93E5-1C063AF8D8D0}" type="slidenum">
               <a:rPr lang="en-US" smtClean="0"/>
-              <a:t>18</a:t>
+              <a:t>17</a:t>
             </a:fld>
             <a:endParaRPr lang="en-US"/>
           </a:p>
@@ -651,7 +651,7 @@
     </p:spTree>
     <p:extLst>
       <p:ext uri="{BB962C8B-B14F-4D97-AF65-F5344CB8AC3E}">
-        <p14:creationId xmlns:p14="http://schemas.microsoft.com/office/powerpoint/2010/main" val="2532804878"/>
+        <p14:creationId xmlns:p14="http://schemas.microsoft.com/office/powerpoint/2010/main" val="3353006602"/>
       </p:ext>
     </p:extLst>
   </p:cSld>
@@ -705,6 +705,122 @@
           <a:bodyPr/>
           <a:lstStyle/>
           <a:p>
+            <a:pPr marL="0" marR="0" indent="0" algn="l" defTabSz="914400" rtl="0" eaLnBrk="1" fontAlgn="auto" latinLnBrk="0" hangingPunct="1">
+              <a:lnSpc>
+                <a:spcPct val="100000"/>
+              </a:lnSpc>
+              <a:spcBef>
+                <a:spcPts val="0"/>
+              </a:spcBef>
+              <a:spcAft>
+                <a:spcPts val="0"/>
+              </a:spcAft>
+              <a:buClrTx/>
+              <a:buSzTx/>
+              <a:buFontTx/>
+              <a:buNone/>
+              <a:tabLst/>
+              <a:defRPr/>
+            </a:pPr>
+            <a:r>
+              <a:rPr lang="en-US" dirty="0" err="1" smtClean="0"/>
+              <a:t>Git</a:t>
+            </a:r>
+            <a:r>
+              <a:rPr lang="en-US" baseline="0" dirty="0" err="1" smtClean="0"/>
+              <a:t>hub</a:t>
+            </a:r>
+            <a:r>
+              <a:rPr lang="en-US" baseline="0" dirty="0" smtClean="0"/>
+              <a:t> Link: https://github.com/srinishanthreddy1991/SunburstChart </a:t>
+            </a:r>
+            <a:endParaRPr lang="en-GB" dirty="0" smtClean="0"/>
+          </a:p>
+          <a:p>
+            <a:endParaRPr lang="en-GB" dirty="0"/>
+          </a:p>
+        </p:txBody>
+      </p:sp>
+      <p:sp>
+        <p:nvSpPr>
+          <p:cNvPr id="4" name="Slide Number Placeholder 3"/>
+          <p:cNvSpPr>
+            <a:spLocks noGrp="1"/>
+          </p:cNvSpPr>
+          <p:nvPr>
+            <p:ph type="sldNum" sz="quarter" idx="10"/>
+          </p:nvPr>
+        </p:nvSpPr>
+        <p:spPr/>
+        <p:txBody>
+          <a:bodyPr/>
+          <a:lstStyle/>
+          <a:p>
+            <a:fld id="{771BCCD4-AC94-426B-93E5-1C063AF8D8D0}" type="slidenum">
+              <a:rPr lang="en-US" smtClean="0"/>
+              <a:t>18</a:t>
+            </a:fld>
+            <a:endParaRPr lang="en-US"/>
+          </a:p>
+        </p:txBody>
+      </p:sp>
+    </p:spTree>
+    <p:extLst>
+      <p:ext uri="{BB962C8B-B14F-4D97-AF65-F5344CB8AC3E}">
+        <p14:creationId xmlns:p14="http://schemas.microsoft.com/office/powerpoint/2010/main" val="2532804878"/>
+      </p:ext>
+    </p:extLst>
+  </p:cSld>
+  <p:clrMapOvr>
+    <a:masterClrMapping/>
+  </p:clrMapOvr>
+</p:notes>
+</file>
+
+<file path=ppt/notesSlides/notesSlide12.xml><?xml version="1.0" encoding="utf-8"?>
+<p:notes xmlns:a="http://schemas.openxmlformats.org/drawingml/2006/main" xmlns:r="http://schemas.openxmlformats.org/officeDocument/2006/relationships" xmlns:p="http://schemas.openxmlformats.org/presentationml/2006/main">
+  <p:cSld>
+    <p:spTree>
+      <p:nvGrpSpPr>
+        <p:cNvPr id="1" name=""/>
+        <p:cNvGrpSpPr/>
+        <p:nvPr/>
+      </p:nvGrpSpPr>
+      <p:grpSpPr>
+        <a:xfrm>
+          <a:off x="0" y="0"/>
+          <a:ext cx="0" cy="0"/>
+          <a:chOff x="0" y="0"/>
+          <a:chExt cx="0" cy="0"/>
+        </a:xfrm>
+      </p:grpSpPr>
+      <p:sp>
+        <p:nvSpPr>
+          <p:cNvPr id="2" name="Slide Image Placeholder 1"/>
+          <p:cNvSpPr>
+            <a:spLocks noGrp="1" noRot="1" noChangeAspect="1"/>
+          </p:cNvSpPr>
+          <p:nvPr>
+            <p:ph type="sldImg"/>
+          </p:nvPr>
+        </p:nvSpPr>
+        <p:spPr/>
+      </p:sp>
+      <p:sp>
+        <p:nvSpPr>
+          <p:cNvPr id="3" name="Notes Placeholder 2"/>
+          <p:cNvSpPr>
+            <a:spLocks noGrp="1"/>
+          </p:cNvSpPr>
+          <p:nvPr>
+            <p:ph type="body" idx="1"/>
+          </p:nvPr>
+        </p:nvSpPr>
+        <p:spPr/>
+        <p:txBody>
+          <a:bodyPr/>
+          <a:lstStyle/>
+          <a:p>
             <a:endParaRPr lang="en-GB" dirty="0"/>
           </a:p>
         </p:txBody>
@@ -745,7 +861,7 @@
 </p:notes>
 </file>
 
-<file path=ppt/notesSlides/notesSlide12.xml><?xml version="1.0" encoding="utf-8"?>
+<file path=ppt/notesSlides/notesSlide13.xml><?xml version="1.0" encoding="utf-8"?>
 <p:notes xmlns:a="http://schemas.openxmlformats.org/drawingml/2006/main" xmlns:r="http://schemas.openxmlformats.org/officeDocument/2006/relationships" xmlns:p="http://schemas.openxmlformats.org/presentationml/2006/main">
   <p:cSld>
     <p:spTree>
@@ -956,34 +1072,6 @@
           <a:bodyPr/>
           <a:lstStyle/>
           <a:p>
-            <a:r>
-              <a:rPr lang="en-US" dirty="0" smtClean="0"/>
-              <a:t>A </a:t>
-            </a:r>
-            <a:r>
-              <a:rPr lang="en-US" b="1" dirty="0" smtClean="0"/>
-              <a:t>radial tree</a:t>
-            </a:r>
-            <a:r>
-              <a:rPr lang="en-US" dirty="0" smtClean="0"/>
-              <a:t>, or </a:t>
-            </a:r>
-            <a:r>
-              <a:rPr lang="en-US" b="1" dirty="0" smtClean="0"/>
-              <a:t>radial map</a:t>
-            </a:r>
-            <a:r>
-              <a:rPr lang="en-US" dirty="0" smtClean="0"/>
-              <a:t>, is a method of displaying a tree structure (e.g., a tree data structure) in a way that expands outwards, radially. It is one of many ways to visually display a tree,</a:t>
-            </a:r>
-            <a:r>
-              <a:rPr lang="en-US" baseline="0" dirty="0" smtClean="0"/>
-              <a:t> </a:t>
-            </a:r>
-            <a:r>
-              <a:rPr lang="en-US" dirty="0" smtClean="0"/>
-              <a:t>it is a type of information graphic</a:t>
-            </a:r>
             <a:endParaRPr lang="en-GB" dirty="0"/>
           </a:p>
         </p:txBody>
@@ -1068,18 +1156,6 @@
           <a:bodyPr/>
           <a:lstStyle/>
           <a:p>
-            <a:r>
-              <a:rPr lang="en-US" dirty="0" smtClean="0"/>
-              <a:t>The circle in the center represents the root node, with the hierarchy moving outward from the center.</a:t>
-            </a:r>
-          </a:p>
-          <a:p>
-            <a:r>
-              <a:rPr lang="en-US" dirty="0" smtClean="0"/>
-              <a:t>A segment of the inner circle bears a hierarchical relationship to those segments of the outer circle which lie within the angular sweep of the parent segment.</a:t>
-            </a:r>
-          </a:p>
-          <a:p>
             <a:endParaRPr lang="en-GB" dirty="0"/>
           </a:p>
         </p:txBody>
@@ -1248,10 +1324,6 @@
           <a:bodyPr/>
           <a:lstStyle/>
           <a:p>
-            <a:r>
-              <a:rPr lang="en-US" dirty="0" smtClean="0"/>
-              <a:t>Microsoft Power BI assumes that the data you’re pulling has already been properly scrubbed and cleaned up, which means the data quality is high. If you need data cleansing capabilities, you will need to find an alternate solution to cleanse your data.</a:t>
-            </a:r>
             <a:endParaRPr lang="en-GB" dirty="0"/>
           </a:p>
         </p:txBody>
@@ -1504,6 +1576,18 @@
           <a:bodyPr/>
           <a:lstStyle/>
           <a:p>
+            <a:r>
+              <a:rPr lang="en-US" dirty="0" err="1" smtClean="0"/>
+              <a:t>Git</a:t>
+            </a:r>
+            <a:r>
+              <a:rPr lang="en-US" baseline="0" dirty="0" err="1" smtClean="0"/>
+              <a:t>hub</a:t>
+            </a:r>
+            <a:r>
+              <a:rPr lang="en-US" baseline="0" dirty="0" smtClean="0"/>
+              <a:t> Link: https://github.com/srinishanthreddy1991/SunburstChart </a:t>
+            </a:r>
             <a:endParaRPr lang="en-GB" dirty="0"/>
           </a:p>
         </p:txBody>
@@ -1525,7 +1609,7 @@
           <a:p>
             <a:fld id="{771BCCD4-AC94-426B-93E5-1C063AF8D8D0}" type="slidenum">
               <a:rPr lang="en-US" smtClean="0"/>
-              <a:t>17</a:t>
+              <a:t>16</a:t>
             </a:fld>
             <a:endParaRPr lang="en-US"/>
           </a:p>
@@ -1534,7 +1618,7 @@
     </p:spTree>
     <p:extLst>
       <p:ext uri="{BB962C8B-B14F-4D97-AF65-F5344CB8AC3E}">
-        <p14:creationId xmlns:p14="http://schemas.microsoft.com/office/powerpoint/2010/main" val="3353006602"/>
+        <p14:creationId xmlns:p14="http://schemas.microsoft.com/office/powerpoint/2010/main" val="362984337"/>
       </p:ext>
     </p:extLst>
   </p:cSld>
@@ -8885,7 +8969,18 @@
           <a:p>
             <a:r>
               <a:rPr lang="en-US" dirty="0" smtClean="0"/>
-              <a:t>Only shared </a:t>
+              <a:t>Limitations in sharing</a:t>
+            </a:r>
+          </a:p>
+          <a:p>
+            <a:pPr lvl="1"/>
+            <a:r>
+              <a:rPr lang="en-US" dirty="0" smtClean="0"/>
+              <a:t>Only </a:t>
+            </a:r>
+            <a:r>
+              <a:rPr lang="en-US" dirty="0" smtClean="0"/>
+              <a:t>shared </a:t>
             </a:r>
             <a:r>
               <a:rPr lang="en-US" dirty="0"/>
@@ -8893,8 +8988,9 @@
             </a:r>
             <a:r>
               <a:rPr lang="en-US" dirty="0" smtClean="0"/>
-              <a:t>tenant</a:t>
-            </a:r>
+              <a:t>tenant.</a:t>
+            </a:r>
+            <a:endParaRPr lang="en-US" dirty="0" smtClean="0"/>
           </a:p>
           <a:p>
             <a:r>
@@ -8919,6 +9015,18 @@
               <a:rPr lang="en-US" dirty="0" smtClean="0"/>
               <a:t>quality</a:t>
             </a:r>
+          </a:p>
+          <a:p>
+            <a:pPr lvl="1"/>
+            <a:r>
+              <a:rPr lang="en-US" dirty="0"/>
+              <a:t>Microsoft Power BI assumes that the data you’re pulling has already been properly scrubbed and cleaned </a:t>
+            </a:r>
+            <a:r>
+              <a:rPr lang="en-US" dirty="0" smtClean="0"/>
+              <a:t>up.</a:t>
+            </a:r>
+            <a:endParaRPr lang="en-US" dirty="0" smtClean="0"/>
           </a:p>
           <a:p>
             <a:endParaRPr lang="en-US" dirty="0"/>
@@ -9309,30 +9417,13 @@
           <a:p>
             <a:r>
               <a:rPr lang="en-US" dirty="0" smtClean="0"/>
-              <a:t>To </a:t>
-            </a:r>
+              <a:t>To visualize sunburst chart for categories of Wine (dataset1)</a:t>
+            </a:r>
+          </a:p>
+          <a:p>
             <a:r>
               <a:rPr lang="en-US" dirty="0" smtClean="0"/>
-              <a:t>visualize sunburst chart for categories of Wine (dataset1)</a:t>
-            </a:r>
-            <a:endParaRPr lang="en-US" dirty="0" smtClean="0"/>
-          </a:p>
-          <a:p>
-            <a:r>
-              <a:rPr lang="en-US" dirty="0" smtClean="0"/>
-              <a:t>To </a:t>
-            </a:r>
-            <a:r>
-              <a:rPr lang="en-US" dirty="0" smtClean="0"/>
-              <a:t>visualize sunburst chart for </a:t>
-            </a:r>
-            <a:r>
-              <a:rPr lang="en-US" dirty="0" smtClean="0"/>
-              <a:t>the Oscars </a:t>
-            </a:r>
-            <a:r>
-              <a:rPr lang="en-US" dirty="0" smtClean="0"/>
-              <a:t>awards data that includes categories by year</a:t>
+              <a:t>To visualize sunburst chart for the Oscars awards data that includes categories by year</a:t>
             </a:r>
           </a:p>
           <a:p>
@@ -11099,7 +11190,7 @@
         <p:spPr>
           <a:xfrm>
             <a:off x="1823520" y="6263570"/>
-            <a:ext cx="9709261" cy="369332"/>
+            <a:ext cx="9808647" cy="369332"/>
           </a:xfrm>
           <a:prstGeom prst="rect">
             <a:avLst/>
@@ -11124,13 +11215,19 @@
               <a:rPr lang="en-GB" dirty="0">
                 <a:hlinkClick r:id="rId3"/>
               </a:rPr>
-              <a:t>http://</a:t>
-            </a:r>
-            <a:r>
-              <a:rPr lang="en-GB" dirty="0" smtClean="0">
+              <a:t>http</a:t>
+            </a:r>
+            <a:r>
+              <a:rPr lang="en-GB">
                 <a:hlinkClick r:id="rId3"/>
               </a:rPr>
-              <a:t>ww.aculocity.com/Areas/Labs/Data/sunburst/WineTasting%20Wheel.json</a:t>
+              <a:t>://</a:t>
+            </a:r>
+            <a:r>
+              <a:rPr lang="en-GB" smtClean="0">
+                <a:hlinkClick r:id="rId3"/>
+              </a:rPr>
+              <a:t>www.aculocity.com/Areas/Labs/Data/sunburst/WineTasting%20Wheel.json</a:t>
             </a:r>
             <a:endParaRPr lang="en-GB" dirty="0"/>
           </a:p>
@@ -11182,7 +11279,7 @@
           <p:nvPr/>
         </p:nvPicPr>
         <p:blipFill rotWithShape="1">
-          <a:blip r:embed="rId2">
+          <a:blip r:embed="rId3">
             <a:extLst>
               <a:ext uri="{28A0092B-C50C-407E-A947-70E740481C1C}">
                 <a14:useLocalDpi xmlns:a14="http://schemas.microsoft.com/office/drawing/2010/main" val="0"/>
@@ -12208,11 +12305,7 @@
           <a:p>
             <a:r>
               <a:rPr lang="en-US" dirty="0" smtClean="0"/>
-              <a:t>Total </a:t>
-            </a:r>
-            <a:r>
-              <a:rPr lang="en-US" dirty="0" smtClean="0"/>
-              <a:t>records = 153</a:t>
+              <a:t>Total records = 153</a:t>
             </a:r>
             <a:endParaRPr lang="en-GB" dirty="0"/>
           </a:p>
@@ -13142,7 +13235,6 @@
               <a:rPr lang="en-US" dirty="0" smtClean="0"/>
               <a:t>Goals</a:t>
             </a:r>
-            <a:endParaRPr lang="en-US" dirty="0" smtClean="0"/>
           </a:p>
           <a:p>
             <a:r>
@@ -13568,20 +13660,43 @@
           <a:p>
             <a:r>
               <a:rPr lang="en-US" dirty="0"/>
-              <a:t>Researching and evaluating data visualization tools.</a:t>
-            </a:r>
-          </a:p>
-          <a:p>
+              <a:t>Researching and evaluating data visualization </a:t>
+            </a:r>
             <a:r>
               <a:rPr lang="en-US" dirty="0" smtClean="0"/>
-              <a:t>Writing detail documentation of work sheet.</a:t>
-            </a:r>
+              <a:t>tools</a:t>
+            </a:r>
+            <a:endParaRPr lang="en-US" dirty="0"/>
           </a:p>
           <a:p>
             <a:r>
               <a:rPr lang="en-US" dirty="0" smtClean="0"/>
-              <a:t>Preparing slides for presentation.</a:t>
-            </a:r>
+              <a:t>Detail </a:t>
+            </a:r>
+            <a:r>
+              <a:rPr lang="en-US" dirty="0" smtClean="0"/>
+              <a:t>documentation </a:t>
+            </a:r>
+            <a:r>
+              <a:rPr lang="en-US" dirty="0" smtClean="0"/>
+              <a:t>of work </a:t>
+            </a:r>
+            <a:r>
+              <a:rPr lang="en-US" dirty="0" smtClean="0"/>
+              <a:t>sheet</a:t>
+            </a:r>
+            <a:endParaRPr lang="en-US" dirty="0" smtClean="0"/>
+          </a:p>
+          <a:p>
+            <a:r>
+              <a:rPr lang="en-US" dirty="0" smtClean="0"/>
+              <a:t>Preparing slides for </a:t>
+            </a:r>
+            <a:r>
+              <a:rPr lang="en-US" dirty="0" smtClean="0"/>
+              <a:t>presentation</a:t>
+            </a:r>
+            <a:endParaRPr lang="en-US" dirty="0" smtClean="0"/>
           </a:p>
           <a:p>
             <a:r>
@@ -13590,18 +13705,24 @@
             </a:r>
             <a:r>
               <a:rPr lang="en-US" dirty="0"/>
-              <a:t>to visualize data using sunburst diagram</a:t>
+              <a:t>to visualize data using sunburst </a:t>
             </a:r>
             <a:r>
               <a:rPr lang="en-US" dirty="0" smtClean="0"/>
-              <a:t>.</a:t>
-            </a:r>
+              <a:t>diagram</a:t>
+            </a:r>
+            <a:endParaRPr lang="en-US" dirty="0" smtClean="0"/>
           </a:p>
           <a:p>
             <a:r>
               <a:rPr lang="en-US" dirty="0" smtClean="0"/>
-              <a:t>What data should be used for sunburst charts.</a:t>
-            </a:r>
+              <a:t>What data should be used for sunburst </a:t>
+            </a:r>
+            <a:r>
+              <a:rPr lang="en-US" dirty="0" smtClean="0"/>
+              <a:t>charts</a:t>
+            </a:r>
+            <a:endParaRPr lang="en-US" dirty="0" smtClean="0"/>
           </a:p>
           <a:p>
             <a:r>
@@ -13614,7 +13735,11 @@
             </a:r>
             <a:r>
               <a:rPr lang="en-US" dirty="0" smtClean="0"/>
-              <a:t>tool and Microsoft Power BI.</a:t>
+              <a:t>tool and Microsoft Power </a:t>
+            </a:r>
+            <a:r>
+              <a:rPr lang="en-US" dirty="0" smtClean="0"/>
+              <a:t>BI</a:t>
             </a:r>
             <a:endParaRPr lang="en-US" dirty="0"/>
           </a:p>
@@ -14417,7 +14542,6 @@
               <a:rPr lang="en-US" dirty="0" smtClean="0"/>
               <a:t>map.</a:t>
             </a:r>
-            <a:endParaRPr lang="en-US" dirty="0" smtClean="0"/>
           </a:p>
         </p:txBody>
       </p:sp>

--- a/Kamballapalli_SunburstChart.pptx
+++ b/Kamballapalli_SunburstChart.pptx
@@ -217,7 +217,7 @@
           <a:p>
             <a:fld id="{6F5CF22C-5C8C-456F-BF92-146BEE86649F}" type="datetimeFigureOut">
               <a:rPr lang="en-US" smtClean="0"/>
-              <a:t>3/29/2017</a:t>
+              <a:t>3/30/2017</a:t>
             </a:fld>
             <a:endParaRPr lang="en-US"/>
           </a:p>
@@ -1701,7 +1701,7 @@
               </a:ln>
               <a:extLst>
                 <a:ext uri="{91240B29-F687-4f45-9708-019B960494DF}">
-                  <a14:hiddenLine xmlns="" xmlns:a14="http://schemas.microsoft.com/office/drawing/2010/main" w="9525">
+                  <a14:hiddenLine xmlns:a14="http://schemas.microsoft.com/office/drawing/2010/main" xmlns="" w="9525">
                     <a:solidFill>
                       <a:srgbClr val="000000"/>
                     </a:solidFill>
@@ -1858,7 +1858,7 @@
               </a:ln>
               <a:extLst>
                 <a:ext uri="{91240B29-F687-4f45-9708-019B960494DF}">
-                  <a14:hiddenLine xmlns="" xmlns:a14="http://schemas.microsoft.com/office/drawing/2010/main" w="9525">
+                  <a14:hiddenLine xmlns:a14="http://schemas.microsoft.com/office/drawing/2010/main" xmlns="" w="9525">
                     <a:solidFill>
                       <a:srgbClr val="000000"/>
                     </a:solidFill>
@@ -2024,7 +2024,7 @@
               </a:ln>
               <a:extLst>
                 <a:ext uri="{91240B29-F687-4f45-9708-019B960494DF}">
-                  <a14:hiddenLine xmlns="" xmlns:a14="http://schemas.microsoft.com/office/drawing/2010/main" w="9525">
+                  <a14:hiddenLine xmlns:a14="http://schemas.microsoft.com/office/drawing/2010/main" xmlns="" w="9525">
                     <a:solidFill>
                       <a:srgbClr val="000000"/>
                     </a:solidFill>
@@ -2181,7 +2181,7 @@
               </a:ln>
               <a:extLst>
                 <a:ext uri="{91240B29-F687-4f45-9708-019B960494DF}">
-                  <a14:hiddenLine xmlns="" xmlns:a14="http://schemas.microsoft.com/office/drawing/2010/main" w="9525">
+                  <a14:hiddenLine xmlns:a14="http://schemas.microsoft.com/office/drawing/2010/main" xmlns="" w="9525">
                     <a:solidFill>
                       <a:srgbClr val="000000"/>
                     </a:solidFill>
@@ -2339,7 +2339,7 @@
             </a:ln>
             <a:extLst>
               <a:ext uri="{91240B29-F687-4f45-9708-019B960494DF}">
-                <a14:hiddenLine xmlns="" xmlns:a14="http://schemas.microsoft.com/office/drawing/2010/main" w="9525">
+                <a14:hiddenLine xmlns:a14="http://schemas.microsoft.com/office/drawing/2010/main" xmlns="" w="9525">
                   <a:solidFill>
                     <a:srgbClr val="000000"/>
                   </a:solidFill>
@@ -2488,7 +2488,7 @@
             </a:ln>
             <a:extLst>
               <a:ext uri="{91240B29-F687-4f45-9708-019B960494DF}">
-                <a14:hiddenLine xmlns="" xmlns:a14="http://schemas.microsoft.com/office/drawing/2010/main" w="9525">
+                <a14:hiddenLine xmlns:a14="http://schemas.microsoft.com/office/drawing/2010/main" xmlns="" w="9525">
                   <a:solidFill>
                     <a:srgbClr val="000000"/>
                   </a:solidFill>
@@ -2645,7 +2645,7 @@
             </a:ln>
             <a:extLst>
               <a:ext uri="{91240B29-F687-4f45-9708-019B960494DF}">
-                <a14:hiddenLine xmlns="" xmlns:a14="http://schemas.microsoft.com/office/drawing/2010/main" w="9525">
+                <a14:hiddenLine xmlns:a14="http://schemas.microsoft.com/office/drawing/2010/main" xmlns="" w="9525">
                   <a:solidFill>
                     <a:srgbClr val="000000"/>
                   </a:solidFill>
@@ -2867,7 +2867,7 @@
           <a:p>
             <a:fld id="{D8F95608-824F-4EDE-AFD5-5B64A334D1C7}" type="datetime1">
               <a:rPr lang="en-US" smtClean="0"/>
-              <a:t>3/29/2017</a:t>
+              <a:t>3/30/2017</a:t>
             </a:fld>
             <a:endParaRPr lang="en-US"/>
           </a:p>
@@ -3069,7 +3069,7 @@
           <a:p>
             <a:fld id="{6CEAC749-8A15-4127-A730-80AB5403AFDB}" type="datetime1">
               <a:rPr lang="en-US" smtClean="0"/>
-              <a:t>3/29/2017</a:t>
+              <a:t>3/30/2017</a:t>
             </a:fld>
             <a:endParaRPr lang="en-US"/>
           </a:p>
@@ -3267,7 +3267,7 @@
           <a:p>
             <a:fld id="{3C8A68DD-EDDE-4CAB-8B40-8218AE9437EE}" type="datetime1">
               <a:rPr lang="en-US" smtClean="0"/>
-              <a:t>3/29/2017</a:t>
+              <a:t>3/30/2017</a:t>
             </a:fld>
             <a:endParaRPr lang="en-US"/>
           </a:p>
@@ -3455,7 +3455,7 @@
           <a:p>
             <a:fld id="{113DF506-6DC1-4D8A-B717-3BA318358E4C}" type="datetime1">
               <a:rPr lang="en-US" smtClean="0"/>
-              <a:t>3/29/2017</a:t>
+              <a:t>3/30/2017</a:t>
             </a:fld>
             <a:endParaRPr lang="en-US"/>
           </a:p>
@@ -3665,7 +3665,7 @@
           <a:p>
             <a:fld id="{44047BA7-169A-4208-BE31-EE18CC74EEC0}" type="datetime1">
               <a:rPr lang="en-US" smtClean="0"/>
-              <a:t>3/29/2017</a:t>
+              <a:t>3/30/2017</a:t>
             </a:fld>
             <a:endParaRPr lang="en-US"/>
           </a:p>
@@ -3971,7 +3971,7 @@
           <a:p>
             <a:fld id="{651C55FA-5519-4E04-ABCC-30D56BFABEE4}" type="datetime1">
               <a:rPr lang="en-US" smtClean="0"/>
-              <a:t>3/29/2017</a:t>
+              <a:t>3/30/2017</a:t>
             </a:fld>
             <a:endParaRPr lang="en-US"/>
           </a:p>
@@ -4416,7 +4416,7 @@
           <a:p>
             <a:fld id="{59AD3AA6-F67D-494D-A3BB-458A54AC1DF3}" type="datetime1">
               <a:rPr lang="en-US" smtClean="0"/>
-              <a:t>3/29/2017</a:t>
+              <a:t>3/30/2017</a:t>
             </a:fld>
             <a:endParaRPr lang="en-US"/>
           </a:p>
@@ -4552,7 +4552,7 @@
           <a:p>
             <a:fld id="{3DC89E40-3F0C-47F7-913B-344EB184085C}" type="datetime1">
               <a:rPr lang="en-US" smtClean="0"/>
-              <a:t>3/29/2017</a:t>
+              <a:t>3/30/2017</a:t>
             </a:fld>
             <a:endParaRPr lang="en-US"/>
           </a:p>
@@ -4665,7 +4665,7 @@
           <a:p>
             <a:fld id="{CBBCF444-C842-4CC0-9C5A-1CCBA9979BA9}" type="datetime1">
               <a:rPr lang="en-US" smtClean="0"/>
-              <a:t>3/29/2017</a:t>
+              <a:t>3/30/2017</a:t>
             </a:fld>
             <a:endParaRPr lang="en-US"/>
           </a:p>
@@ -4960,7 +4960,7 @@
           <a:p>
             <a:fld id="{279097E8-DB9C-437F-AA9A-41FAECD2D934}" type="datetime1">
               <a:rPr lang="en-US" smtClean="0"/>
-              <a:t>3/29/2017</a:t>
+              <a:t>3/30/2017</a:t>
             </a:fld>
             <a:endParaRPr lang="en-US"/>
           </a:p>
@@ -5235,7 +5235,7 @@
           <a:p>
             <a:fld id="{7FC7F70A-43F8-45A2-9CDC-D14424777A9B}" type="datetime1">
               <a:rPr lang="en-US" smtClean="0"/>
-              <a:t>3/29/2017</a:t>
+              <a:t>3/30/2017</a:t>
             </a:fld>
             <a:endParaRPr lang="en-US"/>
           </a:p>
@@ -5357,7 +5357,7 @@
           </a:ln>
           <a:extLst>
             <a:ext uri="{91240B29-F687-4f45-9708-019B960494DF}">
-              <a14:hiddenLine xmlns="" xmlns:a14="http://schemas.microsoft.com/office/drawing/2010/main" w="9525">
+              <a14:hiddenLine xmlns:a14="http://schemas.microsoft.com/office/drawing/2010/main" xmlns="" w="9525">
                 <a:solidFill>
                   <a:srgbClr val="000000"/>
                 </a:solidFill>
@@ -5517,7 +5517,7 @@
           </a:ln>
           <a:extLst>
             <a:ext uri="{91240B29-F687-4f45-9708-019B960494DF}">
-              <a14:hiddenLine xmlns="" xmlns:a14="http://schemas.microsoft.com/office/drawing/2010/main" w="9525">
+              <a14:hiddenLine xmlns:a14="http://schemas.microsoft.com/office/drawing/2010/main" xmlns="" w="9525">
                 <a:solidFill>
                   <a:srgbClr val="000000"/>
                 </a:solidFill>
@@ -5669,7 +5669,7 @@
           </a:ln>
           <a:extLst>
             <a:ext uri="{91240B29-F687-4f45-9708-019B960494DF}">
-              <a14:hiddenLine xmlns="" xmlns:a14="http://schemas.microsoft.com/office/drawing/2010/main" w="9525">
+              <a14:hiddenLine xmlns:a14="http://schemas.microsoft.com/office/drawing/2010/main" xmlns="" w="9525">
                 <a:solidFill>
                   <a:srgbClr val="000000"/>
                 </a:solidFill>
@@ -5829,7 +5829,7 @@
           </a:ln>
           <a:extLst>
             <a:ext uri="{91240B29-F687-4f45-9708-019B960494DF}">
-              <a14:hiddenLine xmlns="" xmlns:a14="http://schemas.microsoft.com/office/drawing/2010/main" w="9525">
+              <a14:hiddenLine xmlns:a14="http://schemas.microsoft.com/office/drawing/2010/main" xmlns="" w="9525">
                 <a:solidFill>
                   <a:srgbClr val="000000"/>
                 </a:solidFill>
@@ -5989,7 +5989,7 @@
           </a:ln>
           <a:extLst>
             <a:ext uri="{91240B29-F687-4f45-9708-019B960494DF}">
-              <a14:hiddenLine xmlns="" xmlns:a14="http://schemas.microsoft.com/office/drawing/2010/main" w="9525">
+              <a14:hiddenLine xmlns:a14="http://schemas.microsoft.com/office/drawing/2010/main" xmlns="" w="9525">
                 <a:solidFill>
                   <a:srgbClr val="000000"/>
                 </a:solidFill>
@@ -6141,7 +6141,7 @@
           </a:ln>
           <a:extLst>
             <a:ext uri="{91240B29-F687-4f45-9708-019B960494DF}">
-              <a14:hiddenLine xmlns="" xmlns:a14="http://schemas.microsoft.com/office/drawing/2010/main" w="9525">
+              <a14:hiddenLine xmlns:a14="http://schemas.microsoft.com/office/drawing/2010/main" xmlns="" w="9525">
                 <a:solidFill>
                   <a:srgbClr val="000000"/>
                 </a:solidFill>
@@ -6301,7 +6301,7 @@
           </a:ln>
           <a:extLst>
             <a:ext uri="{91240B29-F687-4f45-9708-019B960494DF}">
-              <a14:hiddenLine xmlns="" xmlns:a14="http://schemas.microsoft.com/office/drawing/2010/main" w="9525">
+              <a14:hiddenLine xmlns:a14="http://schemas.microsoft.com/office/drawing/2010/main" xmlns="" w="9525">
                 <a:solidFill>
                   <a:srgbClr val="000000"/>
                 </a:solidFill>
@@ -6453,14 +6453,14 @@
           </a:ln>
           <a:extLst>
             <a:ext uri="{909E8E84-426E-40dd-AFC4-6F175D3DCCD1}">
-              <a14:hiddenFill xmlns="" xmlns:a14="http://schemas.microsoft.com/office/drawing/2010/main">
+              <a14:hiddenFill xmlns:a14="http://schemas.microsoft.com/office/drawing/2010/main" xmlns="">
                 <a:solidFill>
                   <a:srgbClr val="FFFFFF"/>
                 </a:solidFill>
               </a14:hiddenFill>
             </a:ext>
             <a:ext uri="{91240B29-F687-4f45-9708-019B960494DF}">
-              <a14:hiddenLine xmlns="" xmlns:a14="http://schemas.microsoft.com/office/drawing/2010/main" w="9525">
+              <a14:hiddenLine xmlns:a14="http://schemas.microsoft.com/office/drawing/2010/main" xmlns="" w="9525">
                 <a:solidFill>
                   <a:srgbClr val="000000"/>
                 </a:solidFill>
@@ -6511,14 +6511,14 @@
           </a:ln>
           <a:extLst>
             <a:ext uri="{909E8E84-426E-40dd-AFC4-6F175D3DCCD1}">
-              <a14:hiddenFill xmlns="" xmlns:a14="http://schemas.microsoft.com/office/drawing/2010/main">
+              <a14:hiddenFill xmlns:a14="http://schemas.microsoft.com/office/drawing/2010/main" xmlns="">
                 <a:solidFill>
                   <a:srgbClr val="FFFFFF"/>
                 </a:solidFill>
               </a14:hiddenFill>
             </a:ext>
             <a:ext uri="{91240B29-F687-4f45-9708-019B960494DF}">
-              <a14:hiddenLine xmlns="" xmlns:a14="http://schemas.microsoft.com/office/drawing/2010/main" w="9525">
+              <a14:hiddenLine xmlns:a14="http://schemas.microsoft.com/office/drawing/2010/main" xmlns="" w="9525">
                 <a:solidFill>
                   <a:srgbClr val="000000"/>
                 </a:solidFill>
@@ -6617,7 +6617,7 @@
           <a:p>
             <a:fld id="{090D96EC-7435-47CA-8EF9-34536C5ED596}" type="datetime1">
               <a:rPr lang="en-US" smtClean="0"/>
-              <a:t>3/29/2017</a:t>
+              <a:t>3/30/2017</a:t>
             </a:fld>
             <a:endParaRPr lang="en-US"/>
           </a:p>
@@ -8976,11 +8976,7 @@
             <a:pPr lvl="1"/>
             <a:r>
               <a:rPr lang="en-US" dirty="0" smtClean="0"/>
-              <a:t>Only </a:t>
-            </a:r>
-            <a:r>
-              <a:rPr lang="en-US" dirty="0" smtClean="0"/>
-              <a:t>shared </a:t>
+              <a:t>Only shared </a:t>
             </a:r>
             <a:r>
               <a:rPr lang="en-US" dirty="0"/>
@@ -8990,7 +8986,6 @@
               <a:rPr lang="en-US" dirty="0" smtClean="0"/>
               <a:t>tenant.</a:t>
             </a:r>
-            <a:endParaRPr lang="en-US" dirty="0" smtClean="0"/>
           </a:p>
           <a:p>
             <a:r>
@@ -9026,7 +9021,6 @@
               <a:rPr lang="en-US" dirty="0" smtClean="0"/>
               <a:t>up.</a:t>
             </a:r>
-            <a:endParaRPr lang="en-US" dirty="0" smtClean="0"/>
           </a:p>
           <a:p>
             <a:endParaRPr lang="en-US" dirty="0"/>
@@ -9423,8 +9417,13 @@
           <a:p>
             <a:r>
               <a:rPr lang="en-US" dirty="0" smtClean="0"/>
-              <a:t>To visualize sunburst chart for the Oscars awards data that includes categories by year</a:t>
-            </a:r>
+              <a:t>To visualize sunburst chart for the Oscars awards data that includes categories by </a:t>
+            </a:r>
+            <a:r>
+              <a:rPr lang="en-US" dirty="0" smtClean="0"/>
+              <a:t>year (dataset2)</a:t>
+            </a:r>
+            <a:endParaRPr lang="en-US" dirty="0" smtClean="0"/>
           </a:p>
           <a:p>
             <a:pPr lvl="1"/>
@@ -11215,16 +11214,10 @@
               <a:rPr lang="en-GB" dirty="0">
                 <a:hlinkClick r:id="rId3"/>
               </a:rPr>
-              <a:t>http</a:t>
-            </a:r>
-            <a:r>
-              <a:rPr lang="en-GB">
-                <a:hlinkClick r:id="rId3"/>
-              </a:rPr>
-              <a:t>://</a:t>
-            </a:r>
-            <a:r>
-              <a:rPr lang="en-GB" smtClean="0">
+              <a:t>http://</a:t>
+            </a:r>
+            <a:r>
+              <a:rPr lang="en-GB" dirty="0" smtClean="0">
                 <a:hlinkClick r:id="rId3"/>
               </a:rPr>
               <a:t>www.aculocity.com/Areas/Labs/Data/sunburst/WineTasting%20Wheel.json</a:t>
@@ -11292,7 +11285,7 @@
         <p:spPr bwMode="auto">
           <a:xfrm>
             <a:off x="204715" y="0"/>
-            <a:ext cx="9662615" cy="6657975"/>
+            <a:ext cx="9662615" cy="6858000"/>
           </a:xfrm>
           <a:prstGeom prst="rect">
             <a:avLst/>
@@ -11303,14 +11296,14 @@
           </a:ln>
           <a:extLst>
             <a:ext uri="{909E8E84-426E-40dd-AFC4-6F175D3DCCD1}">
-              <a14:hiddenFill xmlns="" xmlns:a14="http://schemas.microsoft.com/office/drawing/2010/main">
+              <a14:hiddenFill xmlns:a14="http://schemas.microsoft.com/office/drawing/2010/main" xmlns="">
                 <a:solidFill>
                   <a:srgbClr val="FFFFFF"/>
                 </a:solidFill>
               </a14:hiddenFill>
             </a:ext>
             <a:ext uri="{91240B29-F687-4f45-9708-019B960494DF}">
-              <a14:hiddenLine xmlns="" xmlns:a14="http://schemas.microsoft.com/office/drawing/2010/main" w="9525">
+              <a14:hiddenLine xmlns:a14="http://schemas.microsoft.com/office/drawing/2010/main" xmlns="" w="9525">
                 <a:solidFill>
                   <a:srgbClr val="000000"/>
                 </a:solidFill>
@@ -11330,7 +11323,7 @@
         </p:nvSpPr>
         <p:spPr>
           <a:xfrm>
-            <a:off x="9990160" y="1282889"/>
+            <a:off x="9867330" y="1046915"/>
             <a:ext cx="1897040" cy="3139321"/>
           </a:xfrm>
           <a:prstGeom prst="rect">
@@ -12683,7 +12676,7 @@
         </p:nvSpPr>
         <p:spPr>
           <a:xfrm>
-            <a:off x="9798775" y="1050877"/>
+            <a:off x="9276734" y="932890"/>
             <a:ext cx="2041298" cy="3139321"/>
           </a:xfrm>
           <a:prstGeom prst="rect">
@@ -12731,8 +12724,8 @@
         </p:blipFill>
         <p:spPr>
           <a:xfrm>
-            <a:off x="161624" y="0"/>
-            <a:ext cx="8654829" cy="6858000"/>
+            <a:off x="168433" y="0"/>
+            <a:ext cx="9108301" cy="6858000"/>
           </a:xfrm>
         </p:spPr>
       </p:pic>
@@ -13671,32 +13664,14 @@
           <a:p>
             <a:r>
               <a:rPr lang="en-US" dirty="0" smtClean="0"/>
-              <a:t>Detail </a:t>
-            </a:r>
+              <a:t>Detail documentation of work sheet</a:t>
+            </a:r>
+          </a:p>
+          <a:p>
             <a:r>
               <a:rPr lang="en-US" dirty="0" smtClean="0"/>
-              <a:t>documentation </a:t>
-            </a:r>
-            <a:r>
-              <a:rPr lang="en-US" dirty="0" smtClean="0"/>
-              <a:t>of work </a:t>
-            </a:r>
-            <a:r>
-              <a:rPr lang="en-US" dirty="0" smtClean="0"/>
-              <a:t>sheet</a:t>
-            </a:r>
-            <a:endParaRPr lang="en-US" dirty="0" smtClean="0"/>
-          </a:p>
-          <a:p>
-            <a:r>
-              <a:rPr lang="en-US" dirty="0" smtClean="0"/>
-              <a:t>Preparing slides for </a:t>
-            </a:r>
-            <a:r>
-              <a:rPr lang="en-US" dirty="0" smtClean="0"/>
-              <a:t>presentation</a:t>
-            </a:r>
-            <a:endParaRPr lang="en-US" dirty="0" smtClean="0"/>
+              <a:t>Preparing slides for presentation</a:t>
+            </a:r>
           </a:p>
           <a:p>
             <a:r>
@@ -13711,18 +13686,12 @@
               <a:rPr lang="en-US" dirty="0" smtClean="0"/>
               <a:t>diagram</a:t>
             </a:r>
-            <a:endParaRPr lang="en-US" dirty="0" smtClean="0"/>
           </a:p>
           <a:p>
             <a:r>
               <a:rPr lang="en-US" dirty="0" smtClean="0"/>
-              <a:t>What data should be used for sunburst </a:t>
-            </a:r>
-            <a:r>
-              <a:rPr lang="en-US" dirty="0" smtClean="0"/>
-              <a:t>charts</a:t>
-            </a:r>
-            <a:endParaRPr lang="en-US" dirty="0" smtClean="0"/>
+              <a:t>What data should be used for sunburst charts</a:t>
+            </a:r>
           </a:p>
           <a:p>
             <a:r>
@@ -13735,11 +13704,7 @@
             </a:r>
             <a:r>
               <a:rPr lang="en-US" dirty="0" smtClean="0"/>
-              <a:t>tool and Microsoft Power </a:t>
-            </a:r>
-            <a:r>
-              <a:rPr lang="en-US" dirty="0" smtClean="0"/>
-              <a:t>BI</a:t>
+              <a:t>tool and Microsoft Power BI</a:t>
             </a:r>
             <a:endParaRPr lang="en-US" dirty="0"/>
           </a:p>
@@ -16361,7 +16326,19 @@
             <a:pPr lvl="1"/>
             <a:r>
               <a:rPr lang="en-US" dirty="0" smtClean="0"/>
-              <a:t>We cannot download data if there are many records</a:t>
+              <a:t>We cannot download </a:t>
+            </a:r>
+            <a:r>
+              <a:rPr lang="en-US" dirty="0" smtClean="0"/>
+              <a:t>chart</a:t>
+            </a:r>
+            <a:r>
+              <a:rPr lang="en-US" dirty="0" smtClean="0"/>
+              <a:t> </a:t>
+            </a:r>
+            <a:r>
+              <a:rPr lang="en-US" dirty="0" smtClean="0"/>
+              <a:t>if there are many records</a:t>
             </a:r>
           </a:p>
         </p:txBody>
